--- a/Cancer Prediction.pptx
+++ b/Cancer Prediction.pptx
@@ -3836,8 +3836,8 @@
               <a:buAutoNum type="arabicPeriod"/>
             </a:pPr>
             <a:r>
-              <a:rPr lang="en-US" dirty="0" err="1" smtClean="0"/>
-              <a:t>Perimetr</a:t>
+              <a:rPr lang="en-US" dirty="0" smtClean="0"/>
+              <a:t>Perimeter</a:t>
             </a:r>
             <a:endParaRPr lang="en-US" dirty="0" smtClean="0"/>
           </a:p>
@@ -3857,13 +3857,10 @@
               <a:buAutoNum type="arabicPeriod"/>
             </a:pPr>
             <a:r>
-              <a:rPr lang="en-US" dirty="0" err="1" smtClean="0"/>
-              <a:t>Smoothenes</a:t>
-            </a:r>
-            <a:r>
               <a:rPr lang="en-US" dirty="0" smtClean="0"/>
-              <a:t> </a:t>
-            </a:r>
+              <a:t>Smoothens </a:t>
+            </a:r>
+            <a:endParaRPr lang="en-US" dirty="0" smtClean="0"/>
           </a:p>
           <a:p>
             <a:pPr marL="457200" indent="-457200">
@@ -3912,12 +3909,12 @@
               <a:buAutoNum type="arabicPeriod"/>
             </a:pPr>
             <a:r>
-              <a:rPr lang="en-US" dirty="0" err="1" smtClean="0"/>
-              <a:t>Fractial</a:t>
-            </a:r>
-            <a:r>
               <a:rPr lang="en-US" dirty="0" smtClean="0"/>
-              <a:t> dimension </a:t>
+              <a:t>Fractal </a:t>
+            </a:r>
+            <a:r>
+              <a:rPr lang="en-US" dirty="0" smtClean="0"/>
+              <a:t>dimension </a:t>
             </a:r>
           </a:p>
         </p:txBody>
